--- a/DLTE-FinalProject/Documents/MODULE  INSURANCE.pptx
+++ b/DLTE-FinalProject/Documents/MODULE  INSURANCE.pptx
@@ -14,7 +14,10 @@
     <p:sldId id="265" r:id="rId8"/>
     <p:sldId id="266" r:id="rId9"/>
     <p:sldId id="264" r:id="rId10"/>
-    <p:sldId id="267" r:id="rId11"/>
+    <p:sldId id="269" r:id="rId11"/>
+    <p:sldId id="272" r:id="rId12"/>
+    <p:sldId id="273" r:id="rId13"/>
+    <p:sldId id="267" r:id="rId14"/>
   </p:sldIdLst>
   <p:sldSz cx="12192000" cy="6858000"/>
   <p:notesSz cx="6858000" cy="9144000"/>
@@ -268,7 +271,7 @@
           <a:p>
             <a:fld id="{DC1187D7-1496-46D5-9E26-F8DD6F5C976B}" type="datetimeFigureOut">
               <a:rPr lang="en-US" smtClean="0"/>
-              <a:t>4/15/2024</a:t>
+              <a:t>5/6/2024</a:t>
             </a:fld>
             <a:endParaRPr lang="en-US"/>
           </a:p>
@@ -466,7 +469,7 @@
           <a:p>
             <a:fld id="{DC1187D7-1496-46D5-9E26-F8DD6F5C976B}" type="datetimeFigureOut">
               <a:rPr lang="en-US" smtClean="0"/>
-              <a:t>4/15/2024</a:t>
+              <a:t>5/6/2024</a:t>
             </a:fld>
             <a:endParaRPr lang="en-US"/>
           </a:p>
@@ -674,7 +677,7 @@
           <a:p>
             <a:fld id="{DC1187D7-1496-46D5-9E26-F8DD6F5C976B}" type="datetimeFigureOut">
               <a:rPr lang="en-US" smtClean="0"/>
-              <a:t>4/15/2024</a:t>
+              <a:t>5/6/2024</a:t>
             </a:fld>
             <a:endParaRPr lang="en-US"/>
           </a:p>
@@ -872,7 +875,7 @@
           <a:p>
             <a:fld id="{DC1187D7-1496-46D5-9E26-F8DD6F5C976B}" type="datetimeFigureOut">
               <a:rPr lang="en-US" smtClean="0"/>
-              <a:t>4/15/2024</a:t>
+              <a:t>5/6/2024</a:t>
             </a:fld>
             <a:endParaRPr lang="en-US"/>
           </a:p>
@@ -1147,7 +1150,7 @@
           <a:p>
             <a:fld id="{DC1187D7-1496-46D5-9E26-F8DD6F5C976B}" type="datetimeFigureOut">
               <a:rPr lang="en-US" smtClean="0"/>
-              <a:t>4/15/2024</a:t>
+              <a:t>5/6/2024</a:t>
             </a:fld>
             <a:endParaRPr lang="en-US"/>
           </a:p>
@@ -1412,7 +1415,7 @@
           <a:p>
             <a:fld id="{DC1187D7-1496-46D5-9E26-F8DD6F5C976B}" type="datetimeFigureOut">
               <a:rPr lang="en-US" smtClean="0"/>
-              <a:t>4/15/2024</a:t>
+              <a:t>5/6/2024</a:t>
             </a:fld>
             <a:endParaRPr lang="en-US"/>
           </a:p>
@@ -1824,7 +1827,7 @@
           <a:p>
             <a:fld id="{DC1187D7-1496-46D5-9E26-F8DD6F5C976B}" type="datetimeFigureOut">
               <a:rPr lang="en-US" smtClean="0"/>
-              <a:t>4/15/2024</a:t>
+              <a:t>5/6/2024</a:t>
             </a:fld>
             <a:endParaRPr lang="en-US"/>
           </a:p>
@@ -1965,7 +1968,7 @@
           <a:p>
             <a:fld id="{DC1187D7-1496-46D5-9E26-F8DD6F5C976B}" type="datetimeFigureOut">
               <a:rPr lang="en-US" smtClean="0"/>
-              <a:t>4/15/2024</a:t>
+              <a:t>5/6/2024</a:t>
             </a:fld>
             <a:endParaRPr lang="en-US"/>
           </a:p>
@@ -2078,7 +2081,7 @@
           <a:p>
             <a:fld id="{DC1187D7-1496-46D5-9E26-F8DD6F5C976B}" type="datetimeFigureOut">
               <a:rPr lang="en-US" smtClean="0"/>
-              <a:t>4/15/2024</a:t>
+              <a:t>5/6/2024</a:t>
             </a:fld>
             <a:endParaRPr lang="en-US"/>
           </a:p>
@@ -2389,7 +2392,7 @@
           <a:p>
             <a:fld id="{DC1187D7-1496-46D5-9E26-F8DD6F5C976B}" type="datetimeFigureOut">
               <a:rPr lang="en-US" smtClean="0"/>
-              <a:t>4/15/2024</a:t>
+              <a:t>5/6/2024</a:t>
             </a:fld>
             <a:endParaRPr lang="en-US"/>
           </a:p>
@@ -2677,7 +2680,7 @@
           <a:p>
             <a:fld id="{DC1187D7-1496-46D5-9E26-F8DD6F5C976B}" type="datetimeFigureOut">
               <a:rPr lang="en-US" smtClean="0"/>
-              <a:t>4/15/2024</a:t>
+              <a:t>5/6/2024</a:t>
             </a:fld>
             <a:endParaRPr lang="en-US"/>
           </a:p>
@@ -2918,7 +2921,7 @@
           <a:p>
             <a:fld id="{DC1187D7-1496-46D5-9E26-F8DD6F5C976B}" type="datetimeFigureOut">
               <a:rPr lang="en-US" smtClean="0"/>
-              <a:t>4/15/2024</a:t>
+              <a:t>5/6/2024</a:t>
             </a:fld>
             <a:endParaRPr lang="en-US"/>
           </a:p>
@@ -6410,6 +6413,345 @@
 <file path=ppt/slides/slide10.xml><?xml version="1.0" encoding="utf-8"?>
 <p:sld xmlns:a="http://schemas.openxmlformats.org/drawingml/2006/main" xmlns:r="http://schemas.openxmlformats.org/officeDocument/2006/relationships" xmlns:p="http://schemas.openxmlformats.org/presentationml/2006/main">
   <p:cSld>
+    <p:spTree>
+      <p:nvGrpSpPr>
+        <p:cNvPr id="1" name=""/>
+        <p:cNvGrpSpPr/>
+        <p:nvPr/>
+      </p:nvGrpSpPr>
+      <p:grpSpPr>
+        <a:xfrm>
+          <a:off x="0" y="0"/>
+          <a:ext cx="0" cy="0"/>
+          <a:chOff x="0" y="0"/>
+          <a:chExt cx="0" cy="0"/>
+        </a:xfrm>
+      </p:grpSpPr>
+      <p:sp>
+        <p:nvSpPr>
+          <p:cNvPr id="2" name="Title 1">
+            <a:extLst>
+              <a:ext uri="{FF2B5EF4-FFF2-40B4-BE49-F238E27FC236}">
+                <a16:creationId xmlns:a16="http://schemas.microsoft.com/office/drawing/2014/main" id="{02FFE548-AEA9-9B5F-F7A8-6796412127E6}"/>
+              </a:ext>
+            </a:extLst>
+          </p:cNvPr>
+          <p:cNvSpPr>
+            <a:spLocks noGrp="1"/>
+          </p:cNvSpPr>
+          <p:nvPr>
+            <p:ph type="title"/>
+          </p:nvPr>
+        </p:nvSpPr>
+        <p:spPr>
+          <a:xfrm>
+            <a:off x="838200" y="365126"/>
+            <a:ext cx="8688355" cy="651912"/>
+          </a:xfrm>
+        </p:spPr>
+        <p:txBody>
+          <a:bodyPr>
+            <a:normAutofit fontScale="90000"/>
+          </a:bodyPr>
+          <a:lstStyle/>
+          <a:p>
+            <a:r>
+              <a:rPr lang="en-US" b="1" dirty="0"/>
+              <a:t>FRONTEND</a:t>
+            </a:r>
+          </a:p>
+        </p:txBody>
+      </p:sp>
+      <p:pic>
+        <p:nvPicPr>
+          <p:cNvPr id="9" name="Picture 8" descr="A screenshot of a computer&#10;&#10;Description automatically generated">
+            <a:extLst>
+              <a:ext uri="{FF2B5EF4-FFF2-40B4-BE49-F238E27FC236}">
+                <a16:creationId xmlns:a16="http://schemas.microsoft.com/office/drawing/2014/main" id="{C5D851FC-5E4F-A0E8-7B9F-E1F714720890}"/>
+              </a:ext>
+            </a:extLst>
+          </p:cNvPr>
+          <p:cNvPicPr>
+            <a:picLocks noChangeAspect="1"/>
+          </p:cNvPicPr>
+          <p:nvPr/>
+        </p:nvPicPr>
+        <p:blipFill>
+          <a:blip r:embed="rId2">
+            <a:extLst>
+              <a:ext uri="{28A0092B-C50C-407E-A947-70E740481C1C}">
+                <a14:useLocalDpi xmlns:a14="http://schemas.microsoft.com/office/drawing/2010/main" val="0"/>
+              </a:ext>
+            </a:extLst>
+          </a:blip>
+          <a:stretch>
+            <a:fillRect/>
+          </a:stretch>
+        </p:blipFill>
+        <p:spPr>
+          <a:xfrm>
+            <a:off x="656295" y="1302026"/>
+            <a:ext cx="8870260" cy="4959158"/>
+          </a:xfrm>
+          <a:prstGeom prst="rect">
+            <a:avLst/>
+          </a:prstGeom>
+        </p:spPr>
+      </p:pic>
+    </p:spTree>
+    <p:extLst>
+      <p:ext uri="{BB962C8B-B14F-4D97-AF65-F5344CB8AC3E}">
+        <p14:creationId xmlns:p14="http://schemas.microsoft.com/office/powerpoint/2010/main" val="1211927510"/>
+      </p:ext>
+    </p:extLst>
+  </p:cSld>
+  <p:clrMapOvr>
+    <a:masterClrMapping/>
+  </p:clrMapOvr>
+</p:sld>
+</file>
+
+<file path=ppt/slides/slide11.xml><?xml version="1.0" encoding="utf-8"?>
+<p:sld xmlns:a="http://schemas.openxmlformats.org/drawingml/2006/main" xmlns:r="http://schemas.openxmlformats.org/officeDocument/2006/relationships" xmlns:p="http://schemas.openxmlformats.org/presentationml/2006/main">
+  <p:cSld>
+    <p:spTree>
+      <p:nvGrpSpPr>
+        <p:cNvPr id="1" name=""/>
+        <p:cNvGrpSpPr/>
+        <p:nvPr/>
+      </p:nvGrpSpPr>
+      <p:grpSpPr>
+        <a:xfrm>
+          <a:off x="0" y="0"/>
+          <a:ext cx="0" cy="0"/>
+          <a:chOff x="0" y="0"/>
+          <a:chExt cx="0" cy="0"/>
+        </a:xfrm>
+      </p:grpSpPr>
+      <p:sp>
+        <p:nvSpPr>
+          <p:cNvPr id="2" name="Title 1">
+            <a:extLst>
+              <a:ext uri="{FF2B5EF4-FFF2-40B4-BE49-F238E27FC236}">
+                <a16:creationId xmlns:a16="http://schemas.microsoft.com/office/drawing/2014/main" id="{3A586F6D-81FB-176E-F969-3D6D68FFBDE6}"/>
+              </a:ext>
+            </a:extLst>
+          </p:cNvPr>
+          <p:cNvSpPr>
+            <a:spLocks noGrp="1"/>
+          </p:cNvSpPr>
+          <p:nvPr>
+            <p:ph type="title"/>
+          </p:nvPr>
+        </p:nvSpPr>
+        <p:spPr>
+          <a:xfrm>
+            <a:off x="838200" y="365126"/>
+            <a:ext cx="9090991" cy="549274"/>
+          </a:xfrm>
+        </p:spPr>
+        <p:txBody>
+          <a:bodyPr>
+            <a:normAutofit fontScale="90000"/>
+          </a:bodyPr>
+          <a:lstStyle/>
+          <a:p>
+            <a:r>
+              <a:rPr lang="en-US" b="1" dirty="0"/>
+              <a:t>Error page</a:t>
+            </a:r>
+          </a:p>
+        </p:txBody>
+      </p:sp>
+      <p:pic>
+        <p:nvPicPr>
+          <p:cNvPr id="8" name="Picture 7" descr="A screen shot of a computer error">
+            <a:extLst>
+              <a:ext uri="{FF2B5EF4-FFF2-40B4-BE49-F238E27FC236}">
+                <a16:creationId xmlns:a16="http://schemas.microsoft.com/office/drawing/2014/main" id="{54FBA14A-539C-8B84-F98A-92F5F1476E1B}"/>
+              </a:ext>
+            </a:extLst>
+          </p:cNvPr>
+          <p:cNvPicPr>
+            <a:picLocks noChangeAspect="1"/>
+          </p:cNvPicPr>
+          <p:nvPr/>
+        </p:nvPicPr>
+        <p:blipFill>
+          <a:blip r:embed="rId2">
+            <a:extLst>
+              <a:ext uri="{28A0092B-C50C-407E-A947-70E740481C1C}">
+                <a14:useLocalDpi xmlns:a14="http://schemas.microsoft.com/office/drawing/2010/main" val="0"/>
+              </a:ext>
+            </a:extLst>
+          </a:blip>
+          <a:stretch>
+            <a:fillRect/>
+          </a:stretch>
+        </p:blipFill>
+        <p:spPr>
+          <a:xfrm>
+            <a:off x="1023747" y="1111831"/>
+            <a:ext cx="8468122" cy="4159524"/>
+          </a:xfrm>
+          <a:prstGeom prst="rect">
+            <a:avLst/>
+          </a:prstGeom>
+        </p:spPr>
+      </p:pic>
+    </p:spTree>
+    <p:extLst>
+      <p:ext uri="{BB962C8B-B14F-4D97-AF65-F5344CB8AC3E}">
+        <p14:creationId xmlns:p14="http://schemas.microsoft.com/office/powerpoint/2010/main" val="4010187320"/>
+      </p:ext>
+    </p:extLst>
+  </p:cSld>
+  <p:clrMapOvr>
+    <a:masterClrMapping/>
+  </p:clrMapOvr>
+</p:sld>
+</file>
+
+<file path=ppt/slides/slide12.xml><?xml version="1.0" encoding="utf-8"?>
+<p:sld xmlns:a="http://schemas.openxmlformats.org/drawingml/2006/main" xmlns:r="http://schemas.openxmlformats.org/officeDocument/2006/relationships" xmlns:p="http://schemas.openxmlformats.org/presentationml/2006/main">
+  <p:cSld>
+    <p:spTree>
+      <p:nvGrpSpPr>
+        <p:cNvPr id="1" name=""/>
+        <p:cNvGrpSpPr/>
+        <p:nvPr/>
+      </p:nvGrpSpPr>
+      <p:grpSpPr>
+        <a:xfrm>
+          <a:off x="0" y="0"/>
+          <a:ext cx="0" cy="0"/>
+          <a:chOff x="0" y="0"/>
+          <a:chExt cx="0" cy="0"/>
+        </a:xfrm>
+      </p:grpSpPr>
+      <p:sp>
+        <p:nvSpPr>
+          <p:cNvPr id="2" name="Title 1">
+            <a:extLst>
+              <a:ext uri="{FF2B5EF4-FFF2-40B4-BE49-F238E27FC236}">
+                <a16:creationId xmlns:a16="http://schemas.microsoft.com/office/drawing/2014/main" id="{40099238-ACC6-B01B-095D-F526FA7B1687}"/>
+              </a:ext>
+            </a:extLst>
+          </p:cNvPr>
+          <p:cNvSpPr>
+            <a:spLocks noGrp="1"/>
+          </p:cNvSpPr>
+          <p:nvPr>
+            <p:ph type="title"/>
+          </p:nvPr>
+        </p:nvSpPr>
+        <p:spPr>
+          <a:xfrm>
+            <a:off x="838200" y="365126"/>
+            <a:ext cx="10074965" cy="529396"/>
+          </a:xfrm>
+        </p:spPr>
+        <p:txBody>
+          <a:bodyPr>
+            <a:normAutofit fontScale="90000"/>
+          </a:bodyPr>
+          <a:lstStyle/>
+          <a:p>
+            <a:r>
+              <a:rPr lang="en-US" b="1" dirty="0"/>
+              <a:t>Exception handling</a:t>
+            </a:r>
+          </a:p>
+        </p:txBody>
+      </p:sp>
+      <p:pic>
+        <p:nvPicPr>
+          <p:cNvPr id="3" name="Picture 2" descr="A screen shot of a computer error">
+            <a:extLst>
+              <a:ext uri="{FF2B5EF4-FFF2-40B4-BE49-F238E27FC236}">
+                <a16:creationId xmlns:a16="http://schemas.microsoft.com/office/drawing/2014/main" id="{6CA63187-6F50-92C4-5333-0E74F2C64B80}"/>
+              </a:ext>
+            </a:extLst>
+          </p:cNvPr>
+          <p:cNvPicPr>
+            <a:picLocks noChangeAspect="1"/>
+          </p:cNvPicPr>
+          <p:nvPr/>
+        </p:nvPicPr>
+        <p:blipFill>
+          <a:blip r:embed="rId2">
+            <a:extLst>
+              <a:ext uri="{28A0092B-C50C-407E-A947-70E740481C1C}">
+                <a14:useLocalDpi xmlns:a14="http://schemas.microsoft.com/office/drawing/2010/main" val="0"/>
+              </a:ext>
+            </a:extLst>
+          </a:blip>
+          <a:stretch>
+            <a:fillRect/>
+          </a:stretch>
+        </p:blipFill>
+        <p:spPr>
+          <a:xfrm>
+            <a:off x="1530643" y="1698240"/>
+            <a:ext cx="8468122" cy="4159524"/>
+          </a:xfrm>
+          <a:prstGeom prst="rect">
+            <a:avLst/>
+          </a:prstGeom>
+        </p:spPr>
+      </p:pic>
+      <p:pic>
+        <p:nvPicPr>
+          <p:cNvPr id="6" name="Picture 5" descr="A screenshot of a computer&#10;&#10;Description automatically generated">
+            <a:extLst>
+              <a:ext uri="{FF2B5EF4-FFF2-40B4-BE49-F238E27FC236}">
+                <a16:creationId xmlns:a16="http://schemas.microsoft.com/office/drawing/2014/main" id="{0CEFE8AD-AD22-8A1A-F365-37D31591F221}"/>
+              </a:ext>
+            </a:extLst>
+          </p:cNvPr>
+          <p:cNvPicPr>
+            <a:picLocks noChangeAspect="1"/>
+          </p:cNvPicPr>
+          <p:nvPr/>
+        </p:nvPicPr>
+        <p:blipFill>
+          <a:blip r:embed="rId3">
+            <a:extLst>
+              <a:ext uri="{28A0092B-C50C-407E-A947-70E740481C1C}">
+                <a14:useLocalDpi xmlns:a14="http://schemas.microsoft.com/office/drawing/2010/main" val="0"/>
+              </a:ext>
+            </a:extLst>
+          </a:blip>
+          <a:stretch>
+            <a:fillRect/>
+          </a:stretch>
+        </p:blipFill>
+        <p:spPr>
+          <a:xfrm>
+            <a:off x="1172074" y="1698240"/>
+            <a:ext cx="9741091" cy="4380027"/>
+          </a:xfrm>
+          <a:prstGeom prst="rect">
+            <a:avLst/>
+          </a:prstGeom>
+        </p:spPr>
+      </p:pic>
+    </p:spTree>
+    <p:extLst>
+      <p:ext uri="{BB962C8B-B14F-4D97-AF65-F5344CB8AC3E}">
+        <p14:creationId xmlns:p14="http://schemas.microsoft.com/office/powerpoint/2010/main" val="1422188809"/>
+      </p:ext>
+    </p:extLst>
+  </p:cSld>
+  <p:clrMapOvr>
+    <a:masterClrMapping/>
+  </p:clrMapOvr>
+</p:sld>
+</file>
+
+<file path=ppt/slides/slide13.xml><?xml version="1.0" encoding="utf-8"?>
+<p:sld xmlns:a="http://schemas.openxmlformats.org/drawingml/2006/main" xmlns:r="http://schemas.openxmlformats.org/officeDocument/2006/relationships" xmlns:p="http://schemas.openxmlformats.org/presentationml/2006/main">
+  <p:cSld>
     <p:bg>
       <p:bgPr>
         <a:solidFill>

--- a/DLTE-FinalProject/Documents/MODULE  INSURANCE.pptx
+++ b/DLTE-FinalProject/Documents/MODULE  INSURANCE.pptx
@@ -271,7 +271,7 @@
           <a:p>
             <a:fld id="{DC1187D7-1496-46D5-9E26-F8DD6F5C976B}" type="datetimeFigureOut">
               <a:rPr lang="en-US" smtClean="0"/>
-              <a:t>5/6/2024</a:t>
+              <a:t>5/7/2024</a:t>
             </a:fld>
             <a:endParaRPr lang="en-US"/>
           </a:p>
@@ -469,7 +469,7 @@
           <a:p>
             <a:fld id="{DC1187D7-1496-46D5-9E26-F8DD6F5C976B}" type="datetimeFigureOut">
               <a:rPr lang="en-US" smtClean="0"/>
-              <a:t>5/6/2024</a:t>
+              <a:t>5/7/2024</a:t>
             </a:fld>
             <a:endParaRPr lang="en-US"/>
           </a:p>
@@ -677,7 +677,7 @@
           <a:p>
             <a:fld id="{DC1187D7-1496-46D5-9E26-F8DD6F5C976B}" type="datetimeFigureOut">
               <a:rPr lang="en-US" smtClean="0"/>
-              <a:t>5/6/2024</a:t>
+              <a:t>5/7/2024</a:t>
             </a:fld>
             <a:endParaRPr lang="en-US"/>
           </a:p>
@@ -875,7 +875,7 @@
           <a:p>
             <a:fld id="{DC1187D7-1496-46D5-9E26-F8DD6F5C976B}" type="datetimeFigureOut">
               <a:rPr lang="en-US" smtClean="0"/>
-              <a:t>5/6/2024</a:t>
+              <a:t>5/7/2024</a:t>
             </a:fld>
             <a:endParaRPr lang="en-US"/>
           </a:p>
@@ -1150,7 +1150,7 @@
           <a:p>
             <a:fld id="{DC1187D7-1496-46D5-9E26-F8DD6F5C976B}" type="datetimeFigureOut">
               <a:rPr lang="en-US" smtClean="0"/>
-              <a:t>5/6/2024</a:t>
+              <a:t>5/7/2024</a:t>
             </a:fld>
             <a:endParaRPr lang="en-US"/>
           </a:p>
@@ -1415,7 +1415,7 @@
           <a:p>
             <a:fld id="{DC1187D7-1496-46D5-9E26-F8DD6F5C976B}" type="datetimeFigureOut">
               <a:rPr lang="en-US" smtClean="0"/>
-              <a:t>5/6/2024</a:t>
+              <a:t>5/7/2024</a:t>
             </a:fld>
             <a:endParaRPr lang="en-US"/>
           </a:p>
@@ -1827,7 +1827,7 @@
           <a:p>
             <a:fld id="{DC1187D7-1496-46D5-9E26-F8DD6F5C976B}" type="datetimeFigureOut">
               <a:rPr lang="en-US" smtClean="0"/>
-              <a:t>5/6/2024</a:t>
+              <a:t>5/7/2024</a:t>
             </a:fld>
             <a:endParaRPr lang="en-US"/>
           </a:p>
@@ -1968,7 +1968,7 @@
           <a:p>
             <a:fld id="{DC1187D7-1496-46D5-9E26-F8DD6F5C976B}" type="datetimeFigureOut">
               <a:rPr lang="en-US" smtClean="0"/>
-              <a:t>5/6/2024</a:t>
+              <a:t>5/7/2024</a:t>
             </a:fld>
             <a:endParaRPr lang="en-US"/>
           </a:p>
@@ -2081,7 +2081,7 @@
           <a:p>
             <a:fld id="{DC1187D7-1496-46D5-9E26-F8DD6F5C976B}" type="datetimeFigureOut">
               <a:rPr lang="en-US" smtClean="0"/>
-              <a:t>5/6/2024</a:t>
+              <a:t>5/7/2024</a:t>
             </a:fld>
             <a:endParaRPr lang="en-US"/>
           </a:p>
@@ -2392,7 +2392,7 @@
           <a:p>
             <a:fld id="{DC1187D7-1496-46D5-9E26-F8DD6F5C976B}" type="datetimeFigureOut">
               <a:rPr lang="en-US" smtClean="0"/>
-              <a:t>5/6/2024</a:t>
+              <a:t>5/7/2024</a:t>
             </a:fld>
             <a:endParaRPr lang="en-US"/>
           </a:p>
@@ -2680,7 +2680,7 @@
           <a:p>
             <a:fld id="{DC1187D7-1496-46D5-9E26-F8DD6F5C976B}" type="datetimeFigureOut">
               <a:rPr lang="en-US" smtClean="0"/>
-              <a:t>5/6/2024</a:t>
+              <a:t>5/7/2024</a:t>
             </a:fld>
             <a:endParaRPr lang="en-US"/>
           </a:p>
@@ -2921,7 +2921,7 @@
           <a:p>
             <a:fld id="{DC1187D7-1496-46D5-9E26-F8DD6F5C976B}" type="datetimeFigureOut">
               <a:rPr lang="en-US" smtClean="0"/>
-              <a:t>5/6/2024</a:t>
+              <a:t>5/7/2024</a:t>
             </a:fld>
             <a:endParaRPr lang="en-US"/>
           </a:p>
@@ -15996,7 +15996,28 @@
                 <a:latin typeface="Times New Roman" panose="02020603050405020304" pitchFamily="18" charset="0"/>
                 <a:cs typeface="Times New Roman" panose="02020603050405020304" pitchFamily="18" charset="0"/>
               </a:rPr>
-              <a:t>It allows for the seamless handling of insurance policies, including details such as policy ID, coverage amount, premium, policy type, and description</a:t>
+              <a:t>It allows for the seamless handling of insurance policies, including details such as policy ID, coverage amount, premium, policy type, and </a:t>
+            </a:r>
+            <a:r>
+              <a:rPr lang="en-US" sz="2400" dirty="0">
+                <a:solidFill>
+                  <a:srgbClr val="0D0D0D"/>
+                </a:solidFill>
+                <a:latin typeface="Times New Roman" panose="02020603050405020304" pitchFamily="18" charset="0"/>
+                <a:cs typeface="Times New Roman" panose="02020603050405020304" pitchFamily="18" charset="0"/>
+              </a:rPr>
+              <a:t>k</a:t>
+            </a:r>
+            <a:r>
+              <a:rPr lang="en-US" sz="2400" i="0" dirty="0">
+                <a:solidFill>
+                  <a:srgbClr val="0D0D0D"/>
+                </a:solidFill>
+                <a:effectLst/>
+                <a:latin typeface="Times New Roman" panose="02020603050405020304" pitchFamily="18" charset="0"/>
+                <a:cs typeface="Times New Roman" panose="02020603050405020304" pitchFamily="18" charset="0"/>
+              </a:rPr>
+              <a:t>ey benefits</a:t>
             </a:r>
           </a:p>
           <a:p>
@@ -24130,7 +24151,7 @@
         </p:spPr>
         <p:txBody>
           <a:bodyPr anchor="t">
-            <a:normAutofit lnSpcReduction="10000"/>
+            <a:normAutofit fontScale="92500" lnSpcReduction="20000"/>
           </a:bodyPr>
           <a:lstStyle/>
           <a:p>
@@ -24161,7 +24182,7 @@
             <a:pPr algn="just"/>
             <a:r>
               <a:rPr lang="en-US" sz="2000" dirty="0"/>
-              <a:t> It's like a virtual insurance catalog where one can quickly see what each plan offers.</a:t>
+              <a:t> Uses Soap Api service to display all the available insurance plans.</a:t>
             </a:r>
           </a:p>
           <a:p>
@@ -24185,14 +24206,21 @@
             <a:pPr algn="just"/>
             <a:r>
               <a:rPr lang="en-US" sz="2000" dirty="0"/>
-              <a:t>Enables users to search for coverage amount of the insurance which has been availed by a customer.</a:t>
+              <a:t>Enables users to search by coverage amount of the insurance which has been availed by the customer who has logged in.</a:t>
             </a:r>
           </a:p>
           <a:p>
             <a:pPr algn="just"/>
             <a:r>
               <a:rPr lang="en-US" sz="2000" dirty="0"/>
-              <a:t>Retrieves insurance information from the database based on the provided insurance coverage amount.</a:t>
+              <a:t>Retrieves insurance information from the database based on the provided range of insurance coverage amount.</a:t>
+            </a:r>
+          </a:p>
+          <a:p>
+            <a:pPr algn="just"/>
+            <a:r>
+              <a:rPr lang="en-US" sz="2000" dirty="0"/>
+              <a:t>Uses Rest Get mapping to search for the insurance availed based on coverage amount.</a:t>
             </a:r>
           </a:p>
           <a:p>
@@ -24226,6 +24254,13 @@
             </a:r>
           </a:p>
           <a:p>
+            <a:pPr algn="just"/>
+            <a:r>
+              <a:rPr lang="en-US" sz="2000" dirty="0"/>
+              <a:t>Uses Rest Get mapping to search for the insurance by id.</a:t>
+            </a:r>
+          </a:p>
+          <a:p>
             <a:pPr marL="0" indent="0" algn="just">
               <a:buNone/>
             </a:pPr>
@@ -24248,8 +24283,20 @@
             <a:pPr algn="just"/>
             <a:r>
               <a:rPr lang="en-US" sz="2000" dirty="0"/>
-              <a:t>Enables the user to purchase a new insurance by specifying the insurance type, name etc.</a:t>
+              <a:t>Enables the user to purchase or apply for a new insurance by specifying the required details.</a:t>
             </a:r>
+          </a:p>
+          <a:p>
+            <a:pPr algn="just"/>
+            <a:r>
+              <a:rPr lang="en-US" sz="2000" dirty="0"/>
+              <a:t>Uses Post mapping to apply a </a:t>
+            </a:r>
+            <a:r>
+              <a:rPr lang="en-US" sz="2000"/>
+              <a:t>new insurance.</a:t>
+            </a:r>
+            <a:endParaRPr lang="en-US" sz="2000" dirty="0"/>
           </a:p>
           <a:p>
             <a:pPr marL="0" indent="0" algn="just">
